--- a/doc/Peripherie_Bilder.pptx
+++ b/doc/Peripherie_Bilder.pptx
@@ -8,6 +8,7 @@
     <p:sldId id="256" r:id="rId2"/>
     <p:sldId id="257" r:id="rId3"/>
     <p:sldId id="258" r:id="rId4"/>
+    <p:sldId id="259" r:id="rId5"/>
   </p:sldIdLst>
   <p:sldSz cx="12192000" cy="6858000"/>
   <p:notesSz cx="6858000" cy="9144000"/>
@@ -106,6 +107,11 @@
       </a:defRPr>
     </a:lvl9pPr>
   </p:defaultTextStyle>
+  <p:extLst>
+    <p:ext uri="{EFAFB233-063F-42B5-8137-9DF3F51BA10A}">
+      <p15:sldGuideLst xmlns:p15="http://schemas.microsoft.com/office/powerpoint/2012/main"/>
+    </p:ext>
+  </p:extLst>
 </p:presentation>
 </file>
 
@@ -256,7 +262,7 @@
           <a:p>
             <a:fld id="{2D52E03D-6CE2-49D5-AF2C-DA48A6B0F522}" type="datetimeFigureOut">
               <a:rPr lang="de-DE" smtClean="0"/>
-              <a:t>05.01.2020</a:t>
+              <a:t>12.01.2020</a:t>
             </a:fld>
             <a:endParaRPr lang="de-DE"/>
           </a:p>
@@ -454,7 +460,7 @@
           <a:p>
             <a:fld id="{2D52E03D-6CE2-49D5-AF2C-DA48A6B0F522}" type="datetimeFigureOut">
               <a:rPr lang="de-DE" smtClean="0"/>
-              <a:t>05.01.2020</a:t>
+              <a:t>12.01.2020</a:t>
             </a:fld>
             <a:endParaRPr lang="de-DE"/>
           </a:p>
@@ -662,7 +668,7 @@
           <a:p>
             <a:fld id="{2D52E03D-6CE2-49D5-AF2C-DA48A6B0F522}" type="datetimeFigureOut">
               <a:rPr lang="de-DE" smtClean="0"/>
-              <a:t>05.01.2020</a:t>
+              <a:t>12.01.2020</a:t>
             </a:fld>
             <a:endParaRPr lang="de-DE"/>
           </a:p>
@@ -860,7 +866,7 @@
           <a:p>
             <a:fld id="{2D52E03D-6CE2-49D5-AF2C-DA48A6B0F522}" type="datetimeFigureOut">
               <a:rPr lang="de-DE" smtClean="0"/>
-              <a:t>05.01.2020</a:t>
+              <a:t>12.01.2020</a:t>
             </a:fld>
             <a:endParaRPr lang="de-DE"/>
           </a:p>
@@ -1135,7 +1141,7 @@
           <a:p>
             <a:fld id="{2D52E03D-6CE2-49D5-AF2C-DA48A6B0F522}" type="datetimeFigureOut">
               <a:rPr lang="de-DE" smtClean="0"/>
-              <a:t>05.01.2020</a:t>
+              <a:t>12.01.2020</a:t>
             </a:fld>
             <a:endParaRPr lang="de-DE"/>
           </a:p>
@@ -1400,7 +1406,7 @@
           <a:p>
             <a:fld id="{2D52E03D-6CE2-49D5-AF2C-DA48A6B0F522}" type="datetimeFigureOut">
               <a:rPr lang="de-DE" smtClean="0"/>
-              <a:t>05.01.2020</a:t>
+              <a:t>12.01.2020</a:t>
             </a:fld>
             <a:endParaRPr lang="de-DE"/>
           </a:p>
@@ -1812,7 +1818,7 @@
           <a:p>
             <a:fld id="{2D52E03D-6CE2-49D5-AF2C-DA48A6B0F522}" type="datetimeFigureOut">
               <a:rPr lang="de-DE" smtClean="0"/>
-              <a:t>05.01.2020</a:t>
+              <a:t>12.01.2020</a:t>
             </a:fld>
             <a:endParaRPr lang="de-DE"/>
           </a:p>
@@ -1953,7 +1959,7 @@
           <a:p>
             <a:fld id="{2D52E03D-6CE2-49D5-AF2C-DA48A6B0F522}" type="datetimeFigureOut">
               <a:rPr lang="de-DE" smtClean="0"/>
-              <a:t>05.01.2020</a:t>
+              <a:t>12.01.2020</a:t>
             </a:fld>
             <a:endParaRPr lang="de-DE"/>
           </a:p>
@@ -2066,7 +2072,7 @@
           <a:p>
             <a:fld id="{2D52E03D-6CE2-49D5-AF2C-DA48A6B0F522}" type="datetimeFigureOut">
               <a:rPr lang="de-DE" smtClean="0"/>
-              <a:t>05.01.2020</a:t>
+              <a:t>12.01.2020</a:t>
             </a:fld>
             <a:endParaRPr lang="de-DE"/>
           </a:p>
@@ -2377,7 +2383,7 @@
           <a:p>
             <a:fld id="{2D52E03D-6CE2-49D5-AF2C-DA48A6B0F522}" type="datetimeFigureOut">
               <a:rPr lang="de-DE" smtClean="0"/>
-              <a:t>05.01.2020</a:t>
+              <a:t>12.01.2020</a:t>
             </a:fld>
             <a:endParaRPr lang="de-DE"/>
           </a:p>
@@ -2665,7 +2671,7 @@
           <a:p>
             <a:fld id="{2D52E03D-6CE2-49D5-AF2C-DA48A6B0F522}" type="datetimeFigureOut">
               <a:rPr lang="de-DE" smtClean="0"/>
-              <a:t>05.01.2020</a:t>
+              <a:t>12.01.2020</a:t>
             </a:fld>
             <a:endParaRPr lang="de-DE"/>
           </a:p>
@@ -2906,7 +2912,7 @@
           <a:p>
             <a:fld id="{2D52E03D-6CE2-49D5-AF2C-DA48A6B0F522}" type="datetimeFigureOut">
               <a:rPr lang="de-DE" smtClean="0"/>
-              <a:t>05.01.2020</a:t>
+              <a:t>12.01.2020</a:t>
             </a:fld>
             <a:endParaRPr lang="de-DE"/>
           </a:p>
@@ -6671,6 +6677,1127 @@
 </p:sld>
 </file>
 
+<file path=ppt/slides/slide4.xml><?xml version="1.0" encoding="utf-8"?>
+<p:sld xmlns:a="http://schemas.openxmlformats.org/drawingml/2006/main" xmlns:r="http://schemas.openxmlformats.org/officeDocument/2006/relationships" xmlns:p="http://schemas.openxmlformats.org/presentationml/2006/main">
+  <p:cSld>
+    <p:spTree>
+      <p:nvGrpSpPr>
+        <p:cNvPr id="1" name=""/>
+        <p:cNvGrpSpPr/>
+        <p:nvPr/>
+      </p:nvGrpSpPr>
+      <p:grpSpPr>
+        <a:xfrm>
+          <a:off x="0" y="0"/>
+          <a:ext cx="0" cy="0"/>
+          <a:chOff x="0" y="0"/>
+          <a:chExt cx="0" cy="0"/>
+        </a:xfrm>
+      </p:grpSpPr>
+      <p:grpSp>
+        <p:nvGrpSpPr>
+          <p:cNvPr id="31" name="Gruppieren 30">
+            <a:extLst>
+              <a:ext uri="{FF2B5EF4-FFF2-40B4-BE49-F238E27FC236}">
+                <a16:creationId xmlns:a16="http://schemas.microsoft.com/office/drawing/2014/main" id="{02298FD8-266C-46B0-851B-ECD869A43910}"/>
+              </a:ext>
+            </a:extLst>
+          </p:cNvPr>
+          <p:cNvGrpSpPr/>
+          <p:nvPr/>
+        </p:nvGrpSpPr>
+        <p:grpSpPr>
+          <a:xfrm>
+            <a:off x="1552376" y="531093"/>
+            <a:ext cx="4399462" cy="3252552"/>
+            <a:chOff x="1095176" y="579220"/>
+            <a:chExt cx="4399462" cy="3252552"/>
+          </a:xfrm>
+        </p:grpSpPr>
+        <p:sp>
+          <p:nvSpPr>
+            <p:cNvPr id="20" name="Textfeld 19">
+              <a:extLst>
+                <a:ext uri="{FF2B5EF4-FFF2-40B4-BE49-F238E27FC236}">
+                  <a16:creationId xmlns:a16="http://schemas.microsoft.com/office/drawing/2014/main" id="{BE2B1CFF-8A24-4776-8C3C-391DC2D3B4A6}"/>
+                </a:ext>
+              </a:extLst>
+            </p:cNvPr>
+            <p:cNvSpPr txBox="1"/>
+            <p:nvPr/>
+          </p:nvSpPr>
+          <p:spPr>
+            <a:xfrm>
+              <a:off x="1095176" y="2107642"/>
+              <a:ext cx="888317" cy="338554"/>
+            </a:xfrm>
+            <a:prstGeom prst="rect">
+              <a:avLst/>
+            </a:prstGeom>
+            <a:noFill/>
+          </p:spPr>
+          <p:txBody>
+            <a:bodyPr wrap="square" rtlCol="0">
+              <a:spAutoFit/>
+            </a:bodyPr>
+            <a:lstStyle/>
+            <a:p>
+              <a:r>
+                <a:rPr lang="de-DE" sz="2400" baseline="-25000" dirty="0"/>
+                <a:t>5V_GPS</a:t>
+              </a:r>
+            </a:p>
+          </p:txBody>
+        </p:sp>
+        <p:grpSp>
+          <p:nvGrpSpPr>
+            <p:cNvPr id="30" name="Gruppieren 29">
+              <a:extLst>
+                <a:ext uri="{FF2B5EF4-FFF2-40B4-BE49-F238E27FC236}">
+                  <a16:creationId xmlns:a16="http://schemas.microsoft.com/office/drawing/2014/main" id="{B4C24A21-3696-4230-BC7A-513CCEBA746B}"/>
+                </a:ext>
+              </a:extLst>
+            </p:cNvPr>
+            <p:cNvGrpSpPr/>
+            <p:nvPr/>
+          </p:nvGrpSpPr>
+          <p:grpSpPr>
+            <a:xfrm>
+              <a:off x="1401077" y="579220"/>
+              <a:ext cx="4093561" cy="3252552"/>
+              <a:chOff x="1401077" y="579220"/>
+              <a:chExt cx="4093561" cy="3252552"/>
+            </a:xfrm>
+          </p:grpSpPr>
+          <p:grpSp>
+            <p:nvGrpSpPr>
+              <p:cNvPr id="5" name="Gruppieren 4">
+                <a:extLst>
+                  <a:ext uri="{FF2B5EF4-FFF2-40B4-BE49-F238E27FC236}">
+                    <a16:creationId xmlns:a16="http://schemas.microsoft.com/office/drawing/2014/main" id="{6C360A53-DE94-43D5-A114-B4B06BDC926A}"/>
+                  </a:ext>
+                </a:extLst>
+              </p:cNvPr>
+              <p:cNvGrpSpPr/>
+              <p:nvPr/>
+            </p:nvGrpSpPr>
+            <p:grpSpPr>
+              <a:xfrm>
+                <a:off x="1401077" y="579220"/>
+                <a:ext cx="4093561" cy="2537205"/>
+                <a:chOff x="2428538" y="495244"/>
+                <a:chExt cx="4093561" cy="2537205"/>
+              </a:xfrm>
+            </p:grpSpPr>
+            <p:sp>
+              <p:nvSpPr>
+                <p:cNvPr id="22" name="Rechteck 21">
+                  <a:extLst>
+                    <a:ext uri="{FF2B5EF4-FFF2-40B4-BE49-F238E27FC236}">
+                      <a16:creationId xmlns:a16="http://schemas.microsoft.com/office/drawing/2014/main" id="{517052EB-9725-4D23-9DC3-C06CE9C14036}"/>
+                    </a:ext>
+                  </a:extLst>
+                </p:cNvPr>
+                <p:cNvSpPr/>
+                <p:nvPr/>
+              </p:nvSpPr>
+              <p:spPr>
+                <a:xfrm>
+                  <a:off x="3051111" y="495244"/>
+                  <a:ext cx="3470988" cy="2537205"/>
+                </a:xfrm>
+                <a:prstGeom prst="rect">
+                  <a:avLst/>
+                </a:prstGeom>
+                <a:solidFill>
+                  <a:schemeClr val="bg1"/>
+                </a:solidFill>
+                <a:ln w="25400">
+                  <a:solidFill>
+                    <a:schemeClr val="tx1"/>
+                  </a:solidFill>
+                </a:ln>
+              </p:spPr>
+              <p:style>
+                <a:lnRef idx="2">
+                  <a:schemeClr val="accent1">
+                    <a:shade val="50000"/>
+                  </a:schemeClr>
+                </a:lnRef>
+                <a:fillRef idx="1">
+                  <a:schemeClr val="accent1"/>
+                </a:fillRef>
+                <a:effectRef idx="0">
+                  <a:schemeClr val="accent1"/>
+                </a:effectRef>
+                <a:fontRef idx="minor">
+                  <a:schemeClr val="lt1"/>
+                </a:fontRef>
+              </p:style>
+              <p:txBody>
+                <a:bodyPr rtlCol="0" anchor="ctr"/>
+                <a:lstStyle/>
+                <a:p>
+                  <a:pPr algn="ctr"/>
+                  <a:endParaRPr lang="de-DE"/>
+                </a:p>
+              </p:txBody>
+            </p:sp>
+            <p:sp>
+              <p:nvSpPr>
+                <p:cNvPr id="23" name="Flussdiagramm: Verbinder 22">
+                  <a:extLst>
+                    <a:ext uri="{FF2B5EF4-FFF2-40B4-BE49-F238E27FC236}">
+                      <a16:creationId xmlns:a16="http://schemas.microsoft.com/office/drawing/2014/main" id="{92532A1B-32B2-4F5D-9117-4B31E52E0E78}"/>
+                    </a:ext>
+                  </a:extLst>
+                </p:cNvPr>
+                <p:cNvSpPr/>
+                <p:nvPr/>
+              </p:nvSpPr>
+              <p:spPr>
+                <a:xfrm>
+                  <a:off x="3508473" y="2485944"/>
+                  <a:ext cx="144000" cy="144000"/>
+                </a:xfrm>
+                <a:prstGeom prst="flowChartConnector">
+                  <a:avLst/>
+                </a:prstGeom>
+                <a:noFill/>
+                <a:ln w="25400">
+                  <a:solidFill>
+                    <a:schemeClr val="tx1"/>
+                  </a:solidFill>
+                </a:ln>
+              </p:spPr>
+              <p:style>
+                <a:lnRef idx="2">
+                  <a:schemeClr val="accent1">
+                    <a:shade val="50000"/>
+                  </a:schemeClr>
+                </a:lnRef>
+                <a:fillRef idx="1">
+                  <a:schemeClr val="accent1"/>
+                </a:fillRef>
+                <a:effectRef idx="0">
+                  <a:schemeClr val="accent1"/>
+                </a:effectRef>
+                <a:fontRef idx="minor">
+                  <a:schemeClr val="lt1"/>
+                </a:fontRef>
+              </p:style>
+              <p:txBody>
+                <a:bodyPr rtlCol="0" anchor="ctr"/>
+                <a:lstStyle/>
+                <a:p>
+                  <a:pPr algn="ctr"/>
+                  <a:endParaRPr lang="de-DE"/>
+                </a:p>
+              </p:txBody>
+            </p:sp>
+            <p:sp>
+              <p:nvSpPr>
+                <p:cNvPr id="24" name="Flussdiagramm: Verbinder 23">
+                  <a:extLst>
+                    <a:ext uri="{FF2B5EF4-FFF2-40B4-BE49-F238E27FC236}">
+                      <a16:creationId xmlns:a16="http://schemas.microsoft.com/office/drawing/2014/main" id="{88A9776F-2658-4543-8D81-F6E65327CD58}"/>
+                    </a:ext>
+                  </a:extLst>
+                </p:cNvPr>
+                <p:cNvSpPr/>
+                <p:nvPr/>
+              </p:nvSpPr>
+              <p:spPr>
+                <a:xfrm>
+                  <a:off x="5312562" y="2485944"/>
+                  <a:ext cx="144000" cy="144000"/>
+                </a:xfrm>
+                <a:prstGeom prst="flowChartConnector">
+                  <a:avLst/>
+                </a:prstGeom>
+                <a:noFill/>
+                <a:ln w="25400">
+                  <a:solidFill>
+                    <a:schemeClr val="tx1"/>
+                  </a:solidFill>
+                </a:ln>
+              </p:spPr>
+              <p:style>
+                <a:lnRef idx="2">
+                  <a:schemeClr val="accent1">
+                    <a:shade val="50000"/>
+                  </a:schemeClr>
+                </a:lnRef>
+                <a:fillRef idx="1">
+                  <a:schemeClr val="accent1"/>
+                </a:fillRef>
+                <a:effectRef idx="0">
+                  <a:schemeClr val="accent1"/>
+                </a:effectRef>
+                <a:fontRef idx="minor">
+                  <a:schemeClr val="lt1"/>
+                </a:fontRef>
+              </p:style>
+              <p:txBody>
+                <a:bodyPr rtlCol="0" anchor="ctr"/>
+                <a:lstStyle/>
+                <a:p>
+                  <a:pPr algn="ctr"/>
+                  <a:endParaRPr lang="de-DE"/>
+                </a:p>
+              </p:txBody>
+            </p:sp>
+            <p:sp>
+              <p:nvSpPr>
+                <p:cNvPr id="25" name="Flussdiagramm: Verbinder 24">
+                  <a:extLst>
+                    <a:ext uri="{FF2B5EF4-FFF2-40B4-BE49-F238E27FC236}">
+                      <a16:creationId xmlns:a16="http://schemas.microsoft.com/office/drawing/2014/main" id="{582BEC9E-CDAC-4C75-8185-4CE1AF2DC3FF}"/>
+                    </a:ext>
+                  </a:extLst>
+                </p:cNvPr>
+                <p:cNvSpPr/>
+                <p:nvPr/>
+              </p:nvSpPr>
+              <p:spPr>
+                <a:xfrm>
+                  <a:off x="5913925" y="2485944"/>
+                  <a:ext cx="144000" cy="144000"/>
+                </a:xfrm>
+                <a:prstGeom prst="flowChartConnector">
+                  <a:avLst/>
+                </a:prstGeom>
+                <a:noFill/>
+                <a:ln w="25400">
+                  <a:solidFill>
+                    <a:schemeClr val="tx1"/>
+                  </a:solidFill>
+                </a:ln>
+              </p:spPr>
+              <p:style>
+                <a:lnRef idx="2">
+                  <a:schemeClr val="accent1">
+                    <a:shade val="50000"/>
+                  </a:schemeClr>
+                </a:lnRef>
+                <a:fillRef idx="1">
+                  <a:schemeClr val="accent1"/>
+                </a:fillRef>
+                <a:effectRef idx="0">
+                  <a:schemeClr val="accent1"/>
+                </a:effectRef>
+                <a:fontRef idx="minor">
+                  <a:schemeClr val="lt1"/>
+                </a:fontRef>
+              </p:style>
+              <p:txBody>
+                <a:bodyPr rtlCol="0" anchor="ctr"/>
+                <a:lstStyle/>
+                <a:p>
+                  <a:pPr algn="ctr"/>
+                  <a:endParaRPr lang="de-DE"/>
+                </a:p>
+              </p:txBody>
+            </p:sp>
+            <p:sp>
+              <p:nvSpPr>
+                <p:cNvPr id="26" name="Flussdiagramm: Verbinder 25">
+                  <a:extLst>
+                    <a:ext uri="{FF2B5EF4-FFF2-40B4-BE49-F238E27FC236}">
+                      <a16:creationId xmlns:a16="http://schemas.microsoft.com/office/drawing/2014/main" id="{41DF52ED-F8C7-42A5-ADFB-76338DC71803}"/>
+                    </a:ext>
+                  </a:extLst>
+                </p:cNvPr>
+                <p:cNvSpPr/>
+                <p:nvPr/>
+              </p:nvSpPr>
+              <p:spPr>
+                <a:xfrm>
+                  <a:off x="4711199" y="2485944"/>
+                  <a:ext cx="144000" cy="144000"/>
+                </a:xfrm>
+                <a:prstGeom prst="flowChartConnector">
+                  <a:avLst/>
+                </a:prstGeom>
+                <a:noFill/>
+                <a:ln w="25400">
+                  <a:solidFill>
+                    <a:schemeClr val="tx1"/>
+                  </a:solidFill>
+                </a:ln>
+              </p:spPr>
+              <p:style>
+                <a:lnRef idx="2">
+                  <a:schemeClr val="accent1">
+                    <a:shade val="50000"/>
+                  </a:schemeClr>
+                </a:lnRef>
+                <a:fillRef idx="1">
+                  <a:schemeClr val="accent1"/>
+                </a:fillRef>
+                <a:effectRef idx="0">
+                  <a:schemeClr val="accent1"/>
+                </a:effectRef>
+                <a:fontRef idx="minor">
+                  <a:schemeClr val="lt1"/>
+                </a:fontRef>
+              </p:style>
+              <p:txBody>
+                <a:bodyPr rtlCol="0" anchor="ctr"/>
+                <a:lstStyle/>
+                <a:p>
+                  <a:pPr algn="ctr"/>
+                  <a:endParaRPr lang="de-DE"/>
+                </a:p>
+              </p:txBody>
+            </p:sp>
+            <p:sp>
+              <p:nvSpPr>
+                <p:cNvPr id="27" name="Flussdiagramm: Verbinder 26">
+                  <a:extLst>
+                    <a:ext uri="{FF2B5EF4-FFF2-40B4-BE49-F238E27FC236}">
+                      <a16:creationId xmlns:a16="http://schemas.microsoft.com/office/drawing/2014/main" id="{8A63245E-8C02-4ECE-A5DA-43D880D28BD7}"/>
+                    </a:ext>
+                  </a:extLst>
+                </p:cNvPr>
+                <p:cNvSpPr/>
+                <p:nvPr/>
+              </p:nvSpPr>
+              <p:spPr>
+                <a:xfrm>
+                  <a:off x="4109836" y="2485944"/>
+                  <a:ext cx="144000" cy="144000"/>
+                </a:xfrm>
+                <a:prstGeom prst="flowChartConnector">
+                  <a:avLst/>
+                </a:prstGeom>
+                <a:noFill/>
+                <a:ln w="25400">
+                  <a:solidFill>
+                    <a:schemeClr val="tx1"/>
+                  </a:solidFill>
+                </a:ln>
+              </p:spPr>
+              <p:style>
+                <a:lnRef idx="2">
+                  <a:schemeClr val="accent1">
+                    <a:shade val="50000"/>
+                  </a:schemeClr>
+                </a:lnRef>
+                <a:fillRef idx="1">
+                  <a:schemeClr val="accent1"/>
+                </a:fillRef>
+                <a:effectRef idx="0">
+                  <a:schemeClr val="accent1"/>
+                </a:effectRef>
+                <a:fontRef idx="minor">
+                  <a:schemeClr val="lt1"/>
+                </a:fontRef>
+              </p:style>
+              <p:txBody>
+                <a:bodyPr rtlCol="0" anchor="ctr"/>
+                <a:lstStyle/>
+                <a:p>
+                  <a:pPr algn="ctr"/>
+                  <a:endParaRPr lang="de-DE"/>
+                </a:p>
+              </p:txBody>
+            </p:sp>
+            <p:sp>
+              <p:nvSpPr>
+                <p:cNvPr id="28" name="Gleichschenkliges Dreieck 27">
+                  <a:extLst>
+                    <a:ext uri="{FF2B5EF4-FFF2-40B4-BE49-F238E27FC236}">
+                      <a16:creationId xmlns:a16="http://schemas.microsoft.com/office/drawing/2014/main" id="{EF40C068-BA59-4355-8649-20AA0A1CB8A4}"/>
+                    </a:ext>
+                  </a:extLst>
+                </p:cNvPr>
+                <p:cNvSpPr/>
+                <p:nvPr/>
+              </p:nvSpPr>
+              <p:spPr>
+                <a:xfrm>
+                  <a:off x="2428538" y="2482599"/>
+                  <a:ext cx="144000" cy="144000"/>
+                </a:xfrm>
+                <a:prstGeom prst="triangle">
+                  <a:avLst/>
+                </a:prstGeom>
+                <a:noFill/>
+                <a:ln w="25400">
+                  <a:solidFill>
+                    <a:schemeClr val="tx1"/>
+                  </a:solidFill>
+                </a:ln>
+              </p:spPr>
+              <p:style>
+                <a:lnRef idx="2">
+                  <a:schemeClr val="accent1">
+                    <a:shade val="50000"/>
+                  </a:schemeClr>
+                </a:lnRef>
+                <a:fillRef idx="1">
+                  <a:schemeClr val="accent1"/>
+                </a:fillRef>
+                <a:effectRef idx="0">
+                  <a:schemeClr val="accent1"/>
+                </a:effectRef>
+                <a:fontRef idx="minor">
+                  <a:schemeClr val="lt1"/>
+                </a:fontRef>
+              </p:style>
+              <p:txBody>
+                <a:bodyPr rtlCol="0" anchor="ctr"/>
+                <a:lstStyle/>
+                <a:p>
+                  <a:pPr algn="ctr"/>
+                  <a:endParaRPr lang="de-DE"/>
+                </a:p>
+              </p:txBody>
+            </p:sp>
+          </p:grpSp>
+          <p:cxnSp>
+            <p:nvCxnSpPr>
+              <p:cNvPr id="6" name="Gerader Verbinder 5">
+                <a:extLst>
+                  <a:ext uri="{FF2B5EF4-FFF2-40B4-BE49-F238E27FC236}">
+                    <a16:creationId xmlns:a16="http://schemas.microsoft.com/office/drawing/2014/main" id="{2D3630A5-09FB-4CC8-B00A-5058D47EFCA9}"/>
+                  </a:ext>
+                </a:extLst>
+              </p:cNvPr>
+              <p:cNvCxnSpPr>
+                <a:cxnSpLocks/>
+              </p:cNvCxnSpPr>
+              <p:nvPr/>
+            </p:nvCxnSpPr>
+            <p:spPr>
+              <a:xfrm>
+                <a:off x="3154375" y="2713919"/>
+                <a:ext cx="0" cy="962341"/>
+              </a:xfrm>
+              <a:prstGeom prst="line">
+                <a:avLst/>
+              </a:prstGeom>
+              <a:ln w="25400">
+                <a:solidFill>
+                  <a:schemeClr val="tx1"/>
+                </a:solidFill>
+              </a:ln>
+            </p:spPr>
+            <p:style>
+              <a:lnRef idx="1">
+                <a:schemeClr val="accent1"/>
+              </a:lnRef>
+              <a:fillRef idx="0">
+                <a:schemeClr val="accent1"/>
+              </a:fillRef>
+              <a:effectRef idx="0">
+                <a:schemeClr val="accent1"/>
+              </a:effectRef>
+              <a:fontRef idx="minor">
+                <a:schemeClr val="tx1"/>
+              </a:fontRef>
+            </p:style>
+          </p:cxnSp>
+          <p:cxnSp>
+            <p:nvCxnSpPr>
+              <p:cNvPr id="7" name="Gerader Verbinder 6">
+                <a:extLst>
+                  <a:ext uri="{FF2B5EF4-FFF2-40B4-BE49-F238E27FC236}">
+                    <a16:creationId xmlns:a16="http://schemas.microsoft.com/office/drawing/2014/main" id="{732C5106-7523-4B1E-8334-42123D308AAC}"/>
+                  </a:ext>
+                </a:extLst>
+              </p:cNvPr>
+              <p:cNvCxnSpPr>
+                <a:cxnSpLocks/>
+              </p:cNvCxnSpPr>
+              <p:nvPr/>
+            </p:nvCxnSpPr>
+            <p:spPr>
+              <a:xfrm>
+                <a:off x="3755738" y="2713919"/>
+                <a:ext cx="0" cy="962341"/>
+              </a:xfrm>
+              <a:prstGeom prst="line">
+                <a:avLst/>
+              </a:prstGeom>
+              <a:ln w="25400">
+                <a:solidFill>
+                  <a:schemeClr val="tx1"/>
+                </a:solidFill>
+              </a:ln>
+            </p:spPr>
+            <p:style>
+              <a:lnRef idx="1">
+                <a:schemeClr val="accent1"/>
+              </a:lnRef>
+              <a:fillRef idx="0">
+                <a:schemeClr val="accent1"/>
+              </a:fillRef>
+              <a:effectRef idx="0">
+                <a:schemeClr val="accent1"/>
+              </a:effectRef>
+              <a:fontRef idx="minor">
+                <a:schemeClr val="tx1"/>
+              </a:fontRef>
+            </p:style>
+          </p:cxnSp>
+          <p:cxnSp>
+            <p:nvCxnSpPr>
+              <p:cNvPr id="8" name="Gerader Verbinder 7">
+                <a:extLst>
+                  <a:ext uri="{FF2B5EF4-FFF2-40B4-BE49-F238E27FC236}">
+                    <a16:creationId xmlns:a16="http://schemas.microsoft.com/office/drawing/2014/main" id="{9814EEC1-C98E-417F-90F8-377910B1D6E2}"/>
+                  </a:ext>
+                </a:extLst>
+              </p:cNvPr>
+              <p:cNvCxnSpPr>
+                <a:cxnSpLocks/>
+              </p:cNvCxnSpPr>
+              <p:nvPr/>
+            </p:nvCxnSpPr>
+            <p:spPr>
+              <a:xfrm>
+                <a:off x="4357101" y="2713919"/>
+                <a:ext cx="0" cy="962341"/>
+              </a:xfrm>
+              <a:prstGeom prst="line">
+                <a:avLst/>
+              </a:prstGeom>
+              <a:ln w="25400">
+                <a:solidFill>
+                  <a:schemeClr val="tx1"/>
+                </a:solidFill>
+              </a:ln>
+            </p:spPr>
+            <p:style>
+              <a:lnRef idx="1">
+                <a:schemeClr val="accent1"/>
+              </a:lnRef>
+              <a:fillRef idx="0">
+                <a:schemeClr val="accent1"/>
+              </a:fillRef>
+              <a:effectRef idx="0">
+                <a:schemeClr val="accent1"/>
+              </a:effectRef>
+              <a:fontRef idx="minor">
+                <a:schemeClr val="tx1"/>
+              </a:fontRef>
+            </p:style>
+          </p:cxnSp>
+          <p:cxnSp>
+            <p:nvCxnSpPr>
+              <p:cNvPr id="9" name="Gerader Verbinder 8">
+                <a:extLst>
+                  <a:ext uri="{FF2B5EF4-FFF2-40B4-BE49-F238E27FC236}">
+                    <a16:creationId xmlns:a16="http://schemas.microsoft.com/office/drawing/2014/main" id="{804F8D1A-D198-43F8-A0FF-3FA56D42FA50}"/>
+                  </a:ext>
+                </a:extLst>
+              </p:cNvPr>
+              <p:cNvCxnSpPr>
+                <a:cxnSpLocks/>
+              </p:cNvCxnSpPr>
+              <p:nvPr/>
+            </p:nvCxnSpPr>
+            <p:spPr>
+              <a:xfrm>
+                <a:off x="2538423" y="2713919"/>
+                <a:ext cx="0" cy="962341"/>
+              </a:xfrm>
+              <a:prstGeom prst="line">
+                <a:avLst/>
+              </a:prstGeom>
+              <a:ln w="25400">
+                <a:solidFill>
+                  <a:schemeClr val="tx1"/>
+                </a:solidFill>
+              </a:ln>
+            </p:spPr>
+            <p:style>
+              <a:lnRef idx="1">
+                <a:schemeClr val="accent1"/>
+              </a:lnRef>
+              <a:fillRef idx="0">
+                <a:schemeClr val="accent1"/>
+              </a:fillRef>
+              <a:effectRef idx="0">
+                <a:schemeClr val="accent1"/>
+              </a:effectRef>
+              <a:fontRef idx="minor">
+                <a:schemeClr val="tx1"/>
+              </a:fontRef>
+            </p:style>
+          </p:cxnSp>
+          <p:cxnSp>
+            <p:nvCxnSpPr>
+              <p:cNvPr id="10" name="Gerader Verbinder 9">
+                <a:extLst>
+                  <a:ext uri="{FF2B5EF4-FFF2-40B4-BE49-F238E27FC236}">
+                    <a16:creationId xmlns:a16="http://schemas.microsoft.com/office/drawing/2014/main" id="{BC76DEF3-9A60-49B6-A9F7-FEA92501640F}"/>
+                  </a:ext>
+                </a:extLst>
+              </p:cNvPr>
+              <p:cNvCxnSpPr>
+                <a:cxnSpLocks/>
+              </p:cNvCxnSpPr>
+              <p:nvPr/>
+            </p:nvCxnSpPr>
+            <p:spPr>
+              <a:xfrm>
+                <a:off x="1472887" y="2710575"/>
+                <a:ext cx="0" cy="962341"/>
+              </a:xfrm>
+              <a:prstGeom prst="line">
+                <a:avLst/>
+              </a:prstGeom>
+              <a:ln w="25400">
+                <a:solidFill>
+                  <a:schemeClr val="tx1"/>
+                </a:solidFill>
+              </a:ln>
+            </p:spPr>
+            <p:style>
+              <a:lnRef idx="1">
+                <a:schemeClr val="accent1"/>
+              </a:lnRef>
+              <a:fillRef idx="0">
+                <a:schemeClr val="accent1"/>
+              </a:fillRef>
+              <a:effectRef idx="0">
+                <a:schemeClr val="accent1"/>
+              </a:effectRef>
+              <a:fontRef idx="minor">
+                <a:schemeClr val="tx1"/>
+              </a:fontRef>
+            </p:style>
+          </p:cxnSp>
+          <p:cxnSp>
+            <p:nvCxnSpPr>
+              <p:cNvPr id="11" name="Gerader Verbinder 10">
+                <a:extLst>
+                  <a:ext uri="{FF2B5EF4-FFF2-40B4-BE49-F238E27FC236}">
+                    <a16:creationId xmlns:a16="http://schemas.microsoft.com/office/drawing/2014/main" id="{146BA587-5C9A-4AD3-82A0-CAE25327CFC0}"/>
+                  </a:ext>
+                </a:extLst>
+              </p:cNvPr>
+              <p:cNvCxnSpPr>
+                <a:cxnSpLocks/>
+              </p:cNvCxnSpPr>
+              <p:nvPr/>
+            </p:nvCxnSpPr>
+            <p:spPr>
+              <a:xfrm>
+                <a:off x="1472887" y="3670857"/>
+                <a:ext cx="1065536" cy="0"/>
+              </a:xfrm>
+              <a:prstGeom prst="line">
+                <a:avLst/>
+              </a:prstGeom>
+              <a:ln w="25400">
+                <a:solidFill>
+                  <a:schemeClr val="tx1"/>
+                </a:solidFill>
+              </a:ln>
+            </p:spPr>
+            <p:style>
+              <a:lnRef idx="1">
+                <a:schemeClr val="accent1"/>
+              </a:lnRef>
+              <a:fillRef idx="0">
+                <a:schemeClr val="accent1"/>
+              </a:fillRef>
+              <a:effectRef idx="0">
+                <a:schemeClr val="accent1"/>
+              </a:effectRef>
+              <a:fontRef idx="minor">
+                <a:schemeClr val="tx1"/>
+              </a:fontRef>
+            </p:style>
+          </p:cxnSp>
+          <p:grpSp>
+            <p:nvGrpSpPr>
+              <p:cNvPr id="29" name="Gruppieren 28">
+                <a:extLst>
+                  <a:ext uri="{FF2B5EF4-FFF2-40B4-BE49-F238E27FC236}">
+                    <a16:creationId xmlns:a16="http://schemas.microsoft.com/office/drawing/2014/main" id="{DACF2902-603E-489B-9DFA-08C8FEF2F08F}"/>
+                  </a:ext>
+                </a:extLst>
+              </p:cNvPr>
+              <p:cNvGrpSpPr/>
+              <p:nvPr/>
+            </p:nvGrpSpPr>
+            <p:grpSpPr>
+              <a:xfrm>
+                <a:off x="2995633" y="3676260"/>
+                <a:ext cx="295933" cy="155512"/>
+                <a:chOff x="4210754" y="3676260"/>
+                <a:chExt cx="295933" cy="155512"/>
+              </a:xfrm>
+            </p:grpSpPr>
+            <p:cxnSp>
+              <p:nvCxnSpPr>
+                <p:cNvPr id="12" name="Gerader Verbinder 11">
+                  <a:extLst>
+                    <a:ext uri="{FF2B5EF4-FFF2-40B4-BE49-F238E27FC236}">
+                      <a16:creationId xmlns:a16="http://schemas.microsoft.com/office/drawing/2014/main" id="{FE465781-6F90-4E81-98E5-A5605BE58263}"/>
+                    </a:ext>
+                  </a:extLst>
+                </p:cNvPr>
+                <p:cNvCxnSpPr>
+                  <a:cxnSpLocks/>
+                </p:cNvCxnSpPr>
+                <p:nvPr/>
+              </p:nvCxnSpPr>
+              <p:spPr>
+                <a:xfrm flipH="1">
+                  <a:off x="4210754" y="3676260"/>
+                  <a:ext cx="295933" cy="0"/>
+                </a:xfrm>
+                <a:prstGeom prst="line">
+                  <a:avLst/>
+                </a:prstGeom>
+                <a:ln w="25400">
+                  <a:solidFill>
+                    <a:schemeClr val="tx1"/>
+                  </a:solidFill>
+                </a:ln>
+              </p:spPr>
+              <p:style>
+                <a:lnRef idx="1">
+                  <a:schemeClr val="accent1"/>
+                </a:lnRef>
+                <a:fillRef idx="0">
+                  <a:schemeClr val="accent1"/>
+                </a:fillRef>
+                <a:effectRef idx="0">
+                  <a:schemeClr val="accent1"/>
+                </a:effectRef>
+                <a:fontRef idx="minor">
+                  <a:schemeClr val="tx1"/>
+                </a:fontRef>
+              </p:style>
+            </p:cxnSp>
+            <p:cxnSp>
+              <p:nvCxnSpPr>
+                <p:cNvPr id="13" name="Gerader Verbinder 12">
+                  <a:extLst>
+                    <a:ext uri="{FF2B5EF4-FFF2-40B4-BE49-F238E27FC236}">
+                      <a16:creationId xmlns:a16="http://schemas.microsoft.com/office/drawing/2014/main" id="{C19BACE6-883F-474F-AD54-0B222F507214}"/>
+                    </a:ext>
+                  </a:extLst>
+                </p:cNvPr>
+                <p:cNvCxnSpPr>
+                  <a:cxnSpLocks/>
+                </p:cNvCxnSpPr>
+                <p:nvPr/>
+              </p:nvCxnSpPr>
+              <p:spPr>
+                <a:xfrm flipH="1">
+                  <a:off x="4278127" y="3754017"/>
+                  <a:ext cx="156433" cy="0"/>
+                </a:xfrm>
+                <a:prstGeom prst="line">
+                  <a:avLst/>
+                </a:prstGeom>
+                <a:ln w="25400">
+                  <a:solidFill>
+                    <a:schemeClr val="tx1"/>
+                  </a:solidFill>
+                </a:ln>
+              </p:spPr>
+              <p:style>
+                <a:lnRef idx="1">
+                  <a:schemeClr val="accent1"/>
+                </a:lnRef>
+                <a:fillRef idx="0">
+                  <a:schemeClr val="accent1"/>
+                </a:fillRef>
+                <a:effectRef idx="0">
+                  <a:schemeClr val="accent1"/>
+                </a:effectRef>
+                <a:fontRef idx="minor">
+                  <a:schemeClr val="tx1"/>
+                </a:fontRef>
+              </p:style>
+            </p:cxnSp>
+            <p:cxnSp>
+              <p:nvCxnSpPr>
+                <p:cNvPr id="14" name="Gerader Verbinder 13">
+                  <a:extLst>
+                    <a:ext uri="{FF2B5EF4-FFF2-40B4-BE49-F238E27FC236}">
+                      <a16:creationId xmlns:a16="http://schemas.microsoft.com/office/drawing/2014/main" id="{80A86AD1-DBE0-4493-BD4A-6DE092076A70}"/>
+                    </a:ext>
+                  </a:extLst>
+                </p:cNvPr>
+                <p:cNvCxnSpPr>
+                  <a:cxnSpLocks/>
+                </p:cNvCxnSpPr>
+                <p:nvPr/>
+              </p:nvCxnSpPr>
+              <p:spPr>
+                <a:xfrm flipH="1">
+                  <a:off x="4319964" y="3831772"/>
+                  <a:ext cx="72758" cy="0"/>
+                </a:xfrm>
+                <a:prstGeom prst="line">
+                  <a:avLst/>
+                </a:prstGeom>
+                <a:ln w="25400">
+                  <a:solidFill>
+                    <a:schemeClr val="tx1"/>
+                  </a:solidFill>
+                </a:ln>
+              </p:spPr>
+              <p:style>
+                <a:lnRef idx="1">
+                  <a:schemeClr val="accent1"/>
+                </a:lnRef>
+                <a:fillRef idx="0">
+                  <a:schemeClr val="accent1"/>
+                </a:fillRef>
+                <a:effectRef idx="0">
+                  <a:schemeClr val="accent1"/>
+                </a:effectRef>
+                <a:fontRef idx="minor">
+                  <a:schemeClr val="tx1"/>
+                </a:fontRef>
+              </p:style>
+            </p:cxnSp>
+          </p:grpSp>
+          <p:sp>
+            <p:nvSpPr>
+              <p:cNvPr id="15" name="Textfeld 14">
+                <a:extLst>
+                  <a:ext uri="{FF2B5EF4-FFF2-40B4-BE49-F238E27FC236}">
+                    <a16:creationId xmlns:a16="http://schemas.microsoft.com/office/drawing/2014/main" id="{C6F2AC3D-CE7E-467B-AAEC-D765442B4464}"/>
+                  </a:ext>
+                </a:extLst>
+              </p:cNvPr>
+              <p:cNvSpPr txBox="1"/>
+              <p:nvPr/>
+            </p:nvSpPr>
+            <p:spPr>
+              <a:xfrm>
+                <a:off x="2481012" y="802433"/>
+                <a:ext cx="2549452" cy="646331"/>
+              </a:xfrm>
+              <a:prstGeom prst="rect">
+                <a:avLst/>
+              </a:prstGeom>
+              <a:noFill/>
+            </p:spPr>
+            <p:txBody>
+              <a:bodyPr wrap="square" rtlCol="0">
+                <a:spAutoFit/>
+              </a:bodyPr>
+              <a:lstStyle/>
+              <a:p>
+                <a:pPr algn="ctr"/>
+                <a:r>
+                  <a:rPr lang="de-DE" sz="3600" dirty="0"/>
+                  <a:t>NEO-6</a:t>
+                </a:r>
+              </a:p>
+            </p:txBody>
+          </p:sp>
+          <p:sp>
+            <p:nvSpPr>
+              <p:cNvPr id="16" name="Textfeld 15">
+                <a:extLst>
+                  <a:ext uri="{FF2B5EF4-FFF2-40B4-BE49-F238E27FC236}">
+                    <a16:creationId xmlns:a16="http://schemas.microsoft.com/office/drawing/2014/main" id="{9840F9E7-C874-4300-ABA0-5C5DC01F3828}"/>
+                  </a:ext>
+                </a:extLst>
+              </p:cNvPr>
+              <p:cNvSpPr txBox="1"/>
+              <p:nvPr/>
+            </p:nvSpPr>
+            <p:spPr>
+              <a:xfrm>
+                <a:off x="2368023" y="2159923"/>
+                <a:ext cx="483926" cy="369332"/>
+              </a:xfrm>
+              <a:prstGeom prst="rect">
+                <a:avLst/>
+              </a:prstGeom>
+              <a:noFill/>
+            </p:spPr>
+            <p:txBody>
+              <a:bodyPr wrap="square" rtlCol="0">
+                <a:spAutoFit/>
+              </a:bodyPr>
+              <a:lstStyle/>
+              <a:p>
+                <a:r>
+                  <a:rPr lang="de-DE" dirty="0"/>
+                  <a:t>V</a:t>
+                </a:r>
+                <a:r>
+                  <a:rPr lang="de-DE" baseline="-25000" dirty="0"/>
+                  <a:t>CC</a:t>
+                </a:r>
+              </a:p>
+            </p:txBody>
+          </p:sp>
+          <p:sp>
+            <p:nvSpPr>
+              <p:cNvPr id="17" name="Textfeld 16">
+                <a:extLst>
+                  <a:ext uri="{FF2B5EF4-FFF2-40B4-BE49-F238E27FC236}">
+                    <a16:creationId xmlns:a16="http://schemas.microsoft.com/office/drawing/2014/main" id="{D6B97DC0-74D7-4C5C-9B30-B74BDA4A165B}"/>
+                  </a:ext>
+                </a:extLst>
+              </p:cNvPr>
+              <p:cNvSpPr txBox="1"/>
+              <p:nvPr/>
+            </p:nvSpPr>
+            <p:spPr>
+              <a:xfrm>
+                <a:off x="4710754" y="2154083"/>
+                <a:ext cx="564500" cy="369332"/>
+              </a:xfrm>
+              <a:prstGeom prst="rect">
+                <a:avLst/>
+              </a:prstGeom>
+              <a:noFill/>
+            </p:spPr>
+            <p:txBody>
+              <a:bodyPr wrap="square" rtlCol="0">
+                <a:spAutoFit/>
+              </a:bodyPr>
+              <a:lstStyle/>
+              <a:p>
+                <a:r>
+                  <a:rPr lang="de-DE" dirty="0"/>
+                  <a:t>PPS</a:t>
+                </a:r>
+                <a:endParaRPr lang="de-DE" baseline="-25000" dirty="0"/>
+              </a:p>
+            </p:txBody>
+          </p:sp>
+          <p:sp>
+            <p:nvSpPr>
+              <p:cNvPr id="18" name="Textfeld 17">
+                <a:extLst>
+                  <a:ext uri="{FF2B5EF4-FFF2-40B4-BE49-F238E27FC236}">
+                    <a16:creationId xmlns:a16="http://schemas.microsoft.com/office/drawing/2014/main" id="{F89AE3FF-66E6-4832-AEC3-68C1EA35314A}"/>
+                  </a:ext>
+                </a:extLst>
+              </p:cNvPr>
+              <p:cNvSpPr txBox="1"/>
+              <p:nvPr/>
+            </p:nvSpPr>
+            <p:spPr>
+              <a:xfrm>
+                <a:off x="4101307" y="2154084"/>
+                <a:ext cx="594061" cy="369332"/>
+              </a:xfrm>
+              <a:prstGeom prst="rect">
+                <a:avLst/>
+              </a:prstGeom>
+              <a:noFill/>
+            </p:spPr>
+            <p:txBody>
+              <a:bodyPr wrap="square" rtlCol="0">
+                <a:spAutoFit/>
+              </a:bodyPr>
+              <a:lstStyle/>
+              <a:p>
+                <a:r>
+                  <a:rPr lang="de-DE" dirty="0"/>
+                  <a:t>RXD</a:t>
+                </a:r>
+                <a:endParaRPr lang="de-DE" baseline="-25000" dirty="0"/>
+              </a:p>
+            </p:txBody>
+          </p:sp>
+          <p:sp>
+            <p:nvSpPr>
+              <p:cNvPr id="19" name="Textfeld 18">
+                <a:extLst>
+                  <a:ext uri="{FF2B5EF4-FFF2-40B4-BE49-F238E27FC236}">
+                    <a16:creationId xmlns:a16="http://schemas.microsoft.com/office/drawing/2014/main" id="{C1FED65B-43D0-4ABD-BE4A-DDE949E45AE0}"/>
+                  </a:ext>
+                </a:extLst>
+              </p:cNvPr>
+              <p:cNvSpPr txBox="1"/>
+              <p:nvPr/>
+            </p:nvSpPr>
+            <p:spPr>
+              <a:xfrm>
+                <a:off x="2858474" y="2154083"/>
+                <a:ext cx="675695" cy="369332"/>
+              </a:xfrm>
+              <a:prstGeom prst="rect">
+                <a:avLst/>
+              </a:prstGeom>
+              <a:noFill/>
+            </p:spPr>
+            <p:txBody>
+              <a:bodyPr wrap="square" rtlCol="0">
+                <a:spAutoFit/>
+              </a:bodyPr>
+              <a:lstStyle/>
+              <a:p>
+                <a:r>
+                  <a:rPr lang="de-DE" dirty="0"/>
+                  <a:t>GND</a:t>
+                </a:r>
+                <a:endParaRPr lang="de-DE" baseline="-25000" dirty="0"/>
+              </a:p>
+            </p:txBody>
+          </p:sp>
+          <p:sp>
+            <p:nvSpPr>
+              <p:cNvPr id="21" name="Textfeld 20">
+                <a:extLst>
+                  <a:ext uri="{FF2B5EF4-FFF2-40B4-BE49-F238E27FC236}">
+                    <a16:creationId xmlns:a16="http://schemas.microsoft.com/office/drawing/2014/main" id="{0B8E13CA-A13B-4415-9D91-2D3A69FD715D}"/>
+                  </a:ext>
+                </a:extLst>
+              </p:cNvPr>
+              <p:cNvSpPr txBox="1"/>
+              <p:nvPr/>
+            </p:nvSpPr>
+            <p:spPr>
+              <a:xfrm>
+                <a:off x="3507247" y="2154084"/>
+                <a:ext cx="594060" cy="369332"/>
+              </a:xfrm>
+              <a:prstGeom prst="rect">
+                <a:avLst/>
+              </a:prstGeom>
+              <a:noFill/>
+            </p:spPr>
+            <p:txBody>
+              <a:bodyPr wrap="square" rtlCol="0">
+                <a:spAutoFit/>
+              </a:bodyPr>
+              <a:lstStyle/>
+              <a:p>
+                <a:r>
+                  <a:rPr lang="de-DE" dirty="0"/>
+                  <a:t>TXD</a:t>
+                </a:r>
+                <a:endParaRPr lang="de-DE" baseline="-25000" dirty="0"/>
+              </a:p>
+            </p:txBody>
+          </p:sp>
+        </p:grpSp>
+      </p:grpSp>
+    </p:spTree>
+    <p:extLst>
+      <p:ext uri="{BB962C8B-B14F-4D97-AF65-F5344CB8AC3E}">
+        <p14:creationId xmlns:p14="http://schemas.microsoft.com/office/powerpoint/2010/main" val="1433029481"/>
+      </p:ext>
+    </p:extLst>
+  </p:cSld>
+  <p:clrMapOvr>
+    <a:masterClrMapping/>
+  </p:clrMapOvr>
+</p:sld>
+</file>
+
 <file path=ppt/theme/theme1.xml><?xml version="1.0" encoding="utf-8"?>
 <a:theme xmlns:a="http://schemas.openxmlformats.org/drawingml/2006/main" name="Office">
   <a:themeElements>
